--- a/MedicalCPS_call4papers.pptx
+++ b/MedicalCPS_call4papers.pptx
@@ -288,7 +288,7 @@
           <a:p>
             <a:fld id="{9E5AECD6-FEEB-FE44-8ACE-98533AEDE675}" type="datetimeFigureOut">
               <a:rPr lang="en-US" smtClean="0"/>
-              <a:t>12/01/16</a:t>
+              <a:t>24/02/16</a:t>
             </a:fld>
             <a:endParaRPr lang="en-US"/>
           </a:p>
@@ -458,7 +458,7 @@
           <a:p>
             <a:fld id="{9E5AECD6-FEEB-FE44-8ACE-98533AEDE675}" type="datetimeFigureOut">
               <a:rPr lang="en-US" smtClean="0"/>
-              <a:t>12/01/16</a:t>
+              <a:t>24/02/16</a:t>
             </a:fld>
             <a:endParaRPr lang="en-US"/>
           </a:p>
@@ -638,7 +638,7 @@
           <a:p>
             <a:fld id="{9E5AECD6-FEEB-FE44-8ACE-98533AEDE675}" type="datetimeFigureOut">
               <a:rPr lang="en-US" smtClean="0"/>
-              <a:t>12/01/16</a:t>
+              <a:t>24/02/16</a:t>
             </a:fld>
             <a:endParaRPr lang="en-US"/>
           </a:p>
@@ -808,7 +808,7 @@
           <a:p>
             <a:fld id="{9E5AECD6-FEEB-FE44-8ACE-98533AEDE675}" type="datetimeFigureOut">
               <a:rPr lang="en-US" smtClean="0"/>
-              <a:t>12/01/16</a:t>
+              <a:t>24/02/16</a:t>
             </a:fld>
             <a:endParaRPr lang="en-US"/>
           </a:p>
@@ -1054,7 +1054,7 @@
           <a:p>
             <a:fld id="{9E5AECD6-FEEB-FE44-8ACE-98533AEDE675}" type="datetimeFigureOut">
               <a:rPr lang="en-US" smtClean="0"/>
-              <a:t>12/01/16</a:t>
+              <a:t>24/02/16</a:t>
             </a:fld>
             <a:endParaRPr lang="en-US"/>
           </a:p>
@@ -1342,7 +1342,7 @@
           <a:p>
             <a:fld id="{9E5AECD6-FEEB-FE44-8ACE-98533AEDE675}" type="datetimeFigureOut">
               <a:rPr lang="en-US" smtClean="0"/>
-              <a:t>12/01/16</a:t>
+              <a:t>24/02/16</a:t>
             </a:fld>
             <a:endParaRPr lang="en-US"/>
           </a:p>
@@ -1769,7 +1769,7 @@
           <a:p>
             <a:fld id="{9E5AECD6-FEEB-FE44-8ACE-98533AEDE675}" type="datetimeFigureOut">
               <a:rPr lang="en-US" smtClean="0"/>
-              <a:t>12/01/16</a:t>
+              <a:t>24/02/16</a:t>
             </a:fld>
             <a:endParaRPr lang="en-US"/>
           </a:p>
@@ -1887,7 +1887,7 @@
           <a:p>
             <a:fld id="{9E5AECD6-FEEB-FE44-8ACE-98533AEDE675}" type="datetimeFigureOut">
               <a:rPr lang="en-US" smtClean="0"/>
-              <a:t>12/01/16</a:t>
+              <a:t>24/02/16</a:t>
             </a:fld>
             <a:endParaRPr lang="en-US"/>
           </a:p>
@@ -1982,7 +1982,7 @@
           <a:p>
             <a:fld id="{9E5AECD6-FEEB-FE44-8ACE-98533AEDE675}" type="datetimeFigureOut">
               <a:rPr lang="en-US" smtClean="0"/>
-              <a:t>12/01/16</a:t>
+              <a:t>24/02/16</a:t>
             </a:fld>
             <a:endParaRPr lang="en-US"/>
           </a:p>
@@ -2259,7 +2259,7 @@
           <a:p>
             <a:fld id="{9E5AECD6-FEEB-FE44-8ACE-98533AEDE675}" type="datetimeFigureOut">
               <a:rPr lang="en-US" smtClean="0"/>
-              <a:t>12/01/16</a:t>
+              <a:t>24/02/16</a:t>
             </a:fld>
             <a:endParaRPr lang="en-US"/>
           </a:p>
@@ -2512,7 +2512,7 @@
           <a:p>
             <a:fld id="{9E5AECD6-FEEB-FE44-8ACE-98533AEDE675}" type="datetimeFigureOut">
               <a:rPr lang="en-US" smtClean="0"/>
-              <a:t>12/01/16</a:t>
+              <a:t>24/02/16</a:t>
             </a:fld>
             <a:endParaRPr lang="en-US"/>
           </a:p>
@@ -2725,7 +2725,7 @@
           <a:p>
             <a:fld id="{9E5AECD6-FEEB-FE44-8ACE-98533AEDE675}" type="datetimeFigureOut">
               <a:rPr lang="en-US" smtClean="0"/>
-              <a:t>12/01/16</a:t>
+              <a:t>24/02/16</a:t>
             </a:fld>
             <a:endParaRPr lang="en-US"/>
           </a:p>
@@ -3805,8 +3805,11 @@
                 <a:latin typeface="Lato Regular"/>
                 <a:cs typeface="Lato Regular"/>
               </a:rPr>
-              <a:t> </a:t>
-            </a:r>
+              <a:t> International Workshop on </a:t>
+            </a:r>
+          </a:p>
+          <a:p>
+            <a:pPr lvl="0" algn="ctr"/>
             <a:r>
               <a:rPr lang="en-US" sz="2400" b="1" spc="50" dirty="0" smtClean="0">
                 <a:ln w="13500">
@@ -3833,93 +3836,12 @@
                 <a:latin typeface="Lato Regular"/>
                 <a:cs typeface="Lato Regular"/>
               </a:rPr>
-              <a:t>International </a:t>
-            </a:r>
-            <a:r>
-              <a:rPr lang="en-US" sz="2400" b="1" spc="50" dirty="0" smtClean="0">
-                <a:ln w="13500">
-                  <a:solidFill>
-                    <a:schemeClr val="accent1">
-                      <a:shade val="2500"/>
-                      <a:alpha val="6500"/>
-                    </a:schemeClr>
-                  </a:solidFill>
-                  <a:prstDash val="solid"/>
-                </a:ln>
-                <a:solidFill>
-                  <a:srgbClr val="083869">
-                    <a:alpha val="95000"/>
-                  </a:srgbClr>
-                </a:solidFill>
-                <a:effectLst>
-                  <a:innerShdw blurRad="50900" dist="38500" dir="13500000">
-                    <a:srgbClr val="000000">
-                      <a:alpha val="60000"/>
-                    </a:srgbClr>
-                  </a:innerShdw>
-                </a:effectLst>
-                <a:latin typeface="Lato Regular"/>
-                <a:cs typeface="Lato Regular"/>
-              </a:rPr>
-              <a:t>Workshop</a:t>
-            </a:r>
-            <a:r>
-              <a:rPr lang="en-US" sz="2400" b="1" spc="50" dirty="0" smtClean="0">
-                <a:ln w="13500">
-                  <a:solidFill>
-                    <a:schemeClr val="accent1">
-                      <a:shade val="2500"/>
-                      <a:alpha val="6500"/>
-                    </a:schemeClr>
-                  </a:solidFill>
-                  <a:prstDash val="solid"/>
-                </a:ln>
-                <a:solidFill>
-                  <a:srgbClr val="083869">
-                    <a:alpha val="95000"/>
-                  </a:srgbClr>
-                </a:solidFill>
-                <a:effectLst>
-                  <a:innerShdw blurRad="50900" dist="38500" dir="13500000">
-                    <a:srgbClr val="000000">
-                      <a:alpha val="60000"/>
-                    </a:srgbClr>
-                  </a:innerShdw>
-                </a:effectLst>
-                <a:latin typeface="Lato Regular"/>
-                <a:cs typeface="Lato Regular"/>
-              </a:rPr>
-              <a:t> </a:t>
-            </a:r>
-            <a:r>
-              <a:rPr lang="en-US" sz="2400" b="1" spc="50" dirty="0" smtClean="0">
-                <a:ln w="13500">
-                  <a:solidFill>
-                    <a:schemeClr val="accent1">
-                      <a:shade val="2500"/>
-                      <a:alpha val="6500"/>
-                    </a:schemeClr>
-                  </a:solidFill>
-                  <a:prstDash val="solid"/>
-                </a:ln>
-                <a:solidFill>
-                  <a:srgbClr val="083869">
-                    <a:alpha val="95000"/>
-                  </a:srgbClr>
-                </a:solidFill>
-                <a:effectLst>
-                  <a:innerShdw blurRad="50900" dist="38500" dir="13500000">
-                    <a:srgbClr val="000000">
-                      <a:alpha val="60000"/>
-                    </a:srgbClr>
-                  </a:innerShdw>
-                </a:effectLst>
-                <a:latin typeface="Lato Regular"/>
-                <a:cs typeface="Lato Regular"/>
-              </a:rPr>
-              <a:t>on </a:t>
-            </a:r>
-            <a:endParaRPr lang="en-US" sz="2400" b="1" spc="50" dirty="0" smtClean="0">
+              <a:t>Medical Cyber-Physical Systems</a:t>
+            </a:r>
+          </a:p>
+          <a:p>
+            <a:pPr lvl="0" algn="ctr"/>
+            <a:endParaRPr lang="en-US" sz="500" b="1" spc="50" dirty="0" smtClean="0">
               <a:ln w="13500">
                 <a:solidFill>
                   <a:schemeClr val="accent1">
@@ -3948,7 +3870,7 @@
           <a:p>
             <a:pPr lvl="0" algn="ctr"/>
             <a:r>
-              <a:rPr lang="en-US" sz="2400" b="1" spc="50" dirty="0" smtClean="0">
+              <a:rPr lang="en-US" sz="1400" b="1" spc="50" dirty="0" smtClean="0">
                 <a:ln w="13500">
                   <a:solidFill>
                     <a:schemeClr val="accent1">
@@ -3973,12 +3895,12 @@
                 <a:latin typeface="Lato Regular"/>
                 <a:cs typeface="Lato Regular"/>
               </a:rPr>
-              <a:t>Medical Cyber-Physical Systems</a:t>
+              <a:t>Medical Device Interoperability, Safety, and Security Assurance</a:t>
             </a:r>
           </a:p>
           <a:p>
             <a:pPr lvl="0" algn="ctr"/>
-            <a:endParaRPr lang="en-US" sz="500" b="1" spc="50" dirty="0" smtClean="0">
+            <a:endParaRPr lang="en-US" sz="600" b="1" spc="50" dirty="0">
               <a:ln w="13500">
                 <a:solidFill>
                   <a:schemeClr val="accent1">
@@ -4007,65 +3929,6 @@
           <a:p>
             <a:pPr lvl="0" algn="ctr"/>
             <a:r>
-              <a:rPr lang="en-US" sz="1400" b="1" spc="50" dirty="0" smtClean="0">
-                <a:ln w="13500">
-                  <a:solidFill>
-                    <a:schemeClr val="accent1">
-                      <a:shade val="2500"/>
-                      <a:alpha val="6500"/>
-                    </a:schemeClr>
-                  </a:solidFill>
-                  <a:prstDash val="solid"/>
-                </a:ln>
-                <a:solidFill>
-                  <a:srgbClr val="083869">
-                    <a:alpha val="95000"/>
-                  </a:srgbClr>
-                </a:solidFill>
-                <a:effectLst>
-                  <a:innerShdw blurRad="50900" dist="38500" dir="13500000">
-                    <a:srgbClr val="000000">
-                      <a:alpha val="60000"/>
-                    </a:srgbClr>
-                  </a:innerShdw>
-                </a:effectLst>
-                <a:latin typeface="Lato Regular"/>
-                <a:cs typeface="Lato Regular"/>
-              </a:rPr>
-              <a:t>Medical Device Interoperability, Safety, and Security Assurance</a:t>
-            </a:r>
-          </a:p>
-          <a:p>
-            <a:pPr lvl="0" algn="ctr"/>
-            <a:endParaRPr lang="en-US" sz="600" b="1" spc="50" dirty="0">
-              <a:ln w="13500">
-                <a:solidFill>
-                  <a:schemeClr val="accent1">
-                    <a:shade val="2500"/>
-                    <a:alpha val="6500"/>
-                  </a:schemeClr>
-                </a:solidFill>
-                <a:prstDash val="solid"/>
-              </a:ln>
-              <a:solidFill>
-                <a:srgbClr val="083869">
-                  <a:alpha val="95000"/>
-                </a:srgbClr>
-              </a:solidFill>
-              <a:effectLst>
-                <a:innerShdw blurRad="50900" dist="38500" dir="13500000">
-                  <a:srgbClr val="000000">
-                    <a:alpha val="60000"/>
-                  </a:srgbClr>
-                </a:innerShdw>
-              </a:effectLst>
-              <a:latin typeface="Lato Regular"/>
-              <a:cs typeface="Lato Regular"/>
-            </a:endParaRPr>
-          </a:p>
-          <a:p>
-            <a:pPr lvl="0" algn="ctr"/>
-            <a:r>
               <a:rPr lang="en-US" sz="1400" spc="50" dirty="0" smtClean="0">
                 <a:ln w="13500">
                   <a:solidFill>
@@ -4092,150 +3955,8 @@
                 <a:latin typeface="Lato Regular"/>
                 <a:cs typeface="Lato Regular"/>
               </a:rPr>
-              <a:t>April</a:t>
-            </a:r>
-            <a:r>
-              <a:rPr lang="en-US" sz="1400" spc="50" dirty="0" smtClean="0">
-                <a:ln w="13500">
-                  <a:solidFill>
-                    <a:schemeClr val="accent1">
-                      <a:shade val="2500"/>
-                      <a:alpha val="6500"/>
-                    </a:schemeClr>
-                  </a:solidFill>
-                  <a:prstDash val="solid"/>
-                </a:ln>
-                <a:solidFill>
-                  <a:schemeClr val="tx1">
-                    <a:lumMod val="50000"/>
-                    <a:lumOff val="50000"/>
-                  </a:schemeClr>
-                </a:solidFill>
-                <a:effectLst>
-                  <a:innerShdw blurRad="50900" dist="38500" dir="13500000">
-                    <a:srgbClr val="000000">
-                      <a:alpha val="60000"/>
-                    </a:srgbClr>
-                  </a:innerShdw>
-                </a:effectLst>
-                <a:latin typeface="Lato Regular"/>
-                <a:cs typeface="Lato Regular"/>
-              </a:rPr>
-              <a:t> </a:t>
-            </a:r>
-            <a:r>
-              <a:rPr lang="en-US" sz="1400" spc="50" dirty="0" smtClean="0">
-                <a:ln w="13500">
-                  <a:solidFill>
-                    <a:schemeClr val="accent1">
-                      <a:shade val="2500"/>
-                      <a:alpha val="6500"/>
-                    </a:schemeClr>
-                  </a:solidFill>
-                  <a:prstDash val="solid"/>
-                </a:ln>
-                <a:solidFill>
-                  <a:schemeClr val="tx1">
-                    <a:lumMod val="50000"/>
-                    <a:lumOff val="50000"/>
-                  </a:schemeClr>
-                </a:solidFill>
-                <a:effectLst>
-                  <a:innerShdw blurRad="50900" dist="38500" dir="13500000">
-                    <a:srgbClr val="000000">
-                      <a:alpha val="60000"/>
-                    </a:srgbClr>
-                  </a:innerShdw>
-                </a:effectLst>
-                <a:latin typeface="Lato Regular"/>
-                <a:cs typeface="Lato Regular"/>
-              </a:rPr>
-              <a:t>11th</a:t>
-            </a:r>
-            <a:r>
-              <a:rPr lang="en-US" sz="1400" spc="50" dirty="0" smtClean="0">
-                <a:ln w="13500">
-                  <a:solidFill>
-                    <a:schemeClr val="accent1">
-                      <a:shade val="2500"/>
-                      <a:alpha val="6500"/>
-                    </a:schemeClr>
-                  </a:solidFill>
-                  <a:prstDash val="solid"/>
-                </a:ln>
-                <a:solidFill>
-                  <a:schemeClr val="tx1">
-                    <a:lumMod val="50000"/>
-                    <a:lumOff val="50000"/>
-                  </a:schemeClr>
-                </a:solidFill>
-                <a:effectLst>
-                  <a:innerShdw blurRad="50900" dist="38500" dir="13500000">
-                    <a:srgbClr val="000000">
-                      <a:alpha val="60000"/>
-                    </a:srgbClr>
-                  </a:innerShdw>
-                </a:effectLst>
-                <a:latin typeface="Lato Regular"/>
-                <a:cs typeface="Lato Regular"/>
-              </a:rPr>
-              <a:t>, 2016 - </a:t>
-            </a:r>
-            <a:r>
-              <a:rPr lang="en-US" sz="1400" spc="50" dirty="0" smtClean="0">
-                <a:ln w="13500">
-                  <a:solidFill>
-                    <a:schemeClr val="accent1">
-                      <a:shade val="2500"/>
-                      <a:alpha val="6500"/>
-                    </a:schemeClr>
-                  </a:solidFill>
-                  <a:prstDash val="solid"/>
-                </a:ln>
-                <a:solidFill>
-                  <a:schemeClr val="tx1">
-                    <a:lumMod val="50000"/>
-                    <a:lumOff val="50000"/>
-                  </a:schemeClr>
-                </a:solidFill>
-                <a:effectLst>
-                  <a:innerShdw blurRad="50900" dist="38500" dir="13500000">
-                    <a:srgbClr val="000000">
-                      <a:alpha val="60000"/>
-                    </a:srgbClr>
-                  </a:innerShdw>
-                </a:effectLst>
-                <a:latin typeface="Lato Regular"/>
-                <a:cs typeface="Lato Regular"/>
-              </a:rPr>
-              <a:t>Vienna, Austria</a:t>
-            </a:r>
-            <a:endParaRPr lang="en-US" sz="1400" spc="50" dirty="0" smtClean="0">
-              <a:ln w="13500">
-                <a:solidFill>
-                  <a:schemeClr val="accent1">
-                    <a:shade val="2500"/>
-                    <a:alpha val="6500"/>
-                  </a:schemeClr>
-                </a:solidFill>
-                <a:prstDash val="solid"/>
-              </a:ln>
-              <a:solidFill>
-                <a:schemeClr val="tx1">
-                  <a:lumMod val="50000"/>
-                  <a:lumOff val="50000"/>
-                </a:schemeClr>
-              </a:solidFill>
-              <a:effectLst>
-                <a:innerShdw blurRad="50900" dist="38500" dir="13500000">
-                  <a:srgbClr val="000000">
-                    <a:alpha val="60000"/>
-                  </a:srgbClr>
-                </a:innerShdw>
-              </a:effectLst>
-              <a:latin typeface="Lato Regular"/>
-              <a:cs typeface="Lato Regular"/>
-            </a:endParaRPr>
+              <a:t>April 11th, 2016 - Vienna, Austria</a:t>
+            </a:r>
           </a:p>
           <a:p>
             <a:pPr lvl="0" algn="ctr"/>
@@ -4757,14 +4478,7 @@
                 <a:latin typeface="Lato Regular"/>
                 <a:cs typeface="Lato Regular"/>
               </a:rPr>
-              <a:t>April</a:t>
-            </a:r>
-            <a:r>
-              <a:rPr lang="en-US" sz="1100" dirty="0" smtClean="0">
-                <a:latin typeface="Lato Regular"/>
-                <a:cs typeface="Lato Regular"/>
-              </a:rPr>
-              <a:t> 11</a:t>
+              <a:t>April 11</a:t>
             </a:r>
             <a:r>
               <a:rPr lang="en-US" sz="1100" baseline="30000" dirty="0" smtClean="0">
@@ -4976,7 +4690,7 @@
           <p:spPr>
             <a:xfrm>
               <a:off x="177616" y="3660021"/>
-              <a:ext cx="1944839" cy="1161857"/>
+              <a:ext cx="1944839" cy="1266218"/>
             </a:xfrm>
             <a:prstGeom prst="rect">
               <a:avLst/>
@@ -5043,14 +4757,14 @@
                   <a:latin typeface="Lato Regular"/>
                   <a:cs typeface="Lato Regular"/>
                 </a:rPr>
-                <a:t>Scott A. </a:t>
-              </a:r>
-              <a:r>
-                <a:rPr lang="en-US" sz="1000" b="1" dirty="0" err="1" smtClean="0">
-                  <a:latin typeface="Lato Regular"/>
-                  <a:cs typeface="Lato Regular"/>
-                </a:rPr>
-                <a:t>Smolka</a:t>
+                <a:t>Rahul </a:t>
+              </a:r>
+              <a:r>
+                <a:rPr lang="en-US" sz="1000" b="1" smtClean="0">
+                  <a:latin typeface="Lato Regular"/>
+                  <a:cs typeface="Lato Regular"/>
+                </a:rPr>
+                <a:t>Mangharam</a:t>
               </a:r>
               <a:endParaRPr lang="en-US" sz="1000" b="1" dirty="0">
                 <a:latin typeface="Lato Regular"/>
@@ -5059,26 +4773,30 @@
             </a:p>
             <a:p>
               <a:r>
-                <a:rPr lang="en-US" sz="900" dirty="0" smtClean="0">
-                  <a:latin typeface="Lato Regular"/>
-                  <a:cs typeface="Lato Regular"/>
-                </a:rPr>
-                <a:t>(Stony Brook University</a:t>
-              </a:r>
-              <a:r>
-                <a:rPr lang="en-US" sz="900" dirty="0" smtClean="0">
-                  <a:latin typeface="Lato Regular"/>
-                  <a:cs typeface="Lato Regular"/>
-                </a:rPr>
-                <a:t>, USA</a:t>
-              </a:r>
-              <a:r>
-                <a:rPr lang="en-US" sz="900" dirty="0" smtClean="0">
-                  <a:latin typeface="Lato Regular"/>
-                  <a:cs typeface="Lato Regular"/>
-                </a:rPr>
-                <a:t>)</a:t>
-              </a:r>
+                <a:rPr lang="en-US" sz="900" dirty="0">
+                  <a:latin typeface="Lato Regular"/>
+                  <a:cs typeface="Lato Regular"/>
+                </a:rPr>
+                <a:t>(</a:t>
+              </a:r>
+              <a:r>
+                <a:rPr lang="en-US" sz="900" dirty="0" err="1">
+                  <a:latin typeface="Lato Regular"/>
+                  <a:cs typeface="Lato Regular"/>
+                </a:rPr>
+                <a:t>UPenn</a:t>
+              </a:r>
+              <a:r>
+                <a:rPr lang="en-US" sz="900" dirty="0">
+                  <a:latin typeface="Lato Regular"/>
+                  <a:cs typeface="Lato Regular"/>
+                </a:rPr>
+                <a:t>, USA)</a:t>
+              </a:r>
+              <a:endParaRPr lang="en-US" sz="900" dirty="0" smtClean="0">
+                <a:latin typeface="Lato Regular"/>
+                <a:cs typeface="Lato Regular"/>
+              </a:endParaRPr>
             </a:p>
             <a:p>
               <a:endParaRPr lang="en-US" sz="500" dirty="0">
@@ -5282,14 +5000,7 @@
                   <a:latin typeface="Lato Regular"/>
                   <a:cs typeface="Lato Regular"/>
                 </a:rPr>
-                <a:t>TU Wien</a:t>
-              </a:r>
-              <a:r>
-                <a:rPr lang="en-US" sz="900" dirty="0" smtClean="0">
-                  <a:latin typeface="Lato Regular"/>
-                  <a:cs typeface="Lato Regular"/>
-                </a:rPr>
-                <a:t>, Austria)</a:t>
+                <a:t>TU Wien, Austria)</a:t>
               </a:r>
               <a:endParaRPr lang="en-US" sz="900" dirty="0">
                 <a:latin typeface="Lato Regular"/>
@@ -5380,21 +5091,7 @@
                   <a:latin typeface="Lato Regular"/>
                   <a:cs typeface="Lato Regular"/>
                 </a:rPr>
-                <a:t>University of </a:t>
-              </a:r>
-              <a:r>
-                <a:rPr lang="en-US" sz="900" dirty="0" smtClean="0">
-                  <a:latin typeface="Lato Regular"/>
-                  <a:cs typeface="Lato Regular"/>
-                </a:rPr>
-                <a:t>Trieste</a:t>
-              </a:r>
-              <a:r>
-                <a:rPr lang="en-US" sz="900" dirty="0" smtClean="0">
-                  <a:latin typeface="Lato Regular"/>
-                  <a:cs typeface="Lato Regular"/>
-                </a:rPr>
-                <a:t>, Italy</a:t>
+                <a:t>University of Trieste, Italy</a:t>
               </a:r>
             </a:p>
             <a:p>
@@ -5418,25 +5115,73 @@
                 </a:rPr>
                 <a:t> H. Fenton</a:t>
               </a:r>
-              <a:endParaRPr lang="en-US" sz="1000" b="1" dirty="0" smtClean="0">
+            </a:p>
+            <a:p>
+              <a:r>
+                <a:rPr lang="en-US" sz="900" dirty="0" smtClean="0">
+                  <a:latin typeface="Lato Regular"/>
+                  <a:cs typeface="Lato Regular"/>
+                </a:rPr>
+                <a:t>(</a:t>
+              </a:r>
+              <a:r>
+                <a:rPr lang="en-US" sz="900" dirty="0" err="1" smtClean="0">
+                  <a:latin typeface="Lato Regular"/>
+                  <a:cs typeface="Lato Regular"/>
+                </a:rPr>
+                <a:t>GeorgiaTech</a:t>
+              </a:r>
+              <a:r>
+                <a:rPr lang="en-US" sz="900" dirty="0" smtClean="0">
+                  <a:latin typeface="Lato Regular"/>
+                  <a:cs typeface="Lato Regular"/>
+                </a:rPr>
+                <a:t>, USA)</a:t>
+              </a:r>
+            </a:p>
+            <a:p>
+              <a:endParaRPr lang="en-US" sz="700" dirty="0" smtClean="0">
                 <a:latin typeface="Lato Regular"/>
                 <a:cs typeface="Lato Regular"/>
               </a:endParaRPr>
             </a:p>
             <a:p>
               <a:r>
+                <a:rPr lang="en-US" sz="1000" b="1" dirty="0" smtClean="0">
+                  <a:latin typeface="Lato Regular"/>
+                  <a:cs typeface="Lato Regular"/>
+                </a:rPr>
+                <a:t>Martin </a:t>
+              </a:r>
+              <a:r>
+                <a:rPr lang="en-US" sz="1000" b="1" dirty="0" err="1" smtClean="0">
+                  <a:latin typeface="Lato Regular"/>
+                  <a:cs typeface="Lato Regular"/>
+                </a:rPr>
+                <a:t>Leucker</a:t>
+              </a:r>
+              <a:r>
+                <a:rPr lang="en-US" sz="1000" b="1" dirty="0" smtClean="0">
+                  <a:latin typeface="Lato Regular"/>
+                  <a:cs typeface="Lato Regular"/>
+                </a:rPr>
+                <a:t>  (co-Chair)</a:t>
+              </a:r>
+            </a:p>
+            <a:p>
+              <a:r>
                 <a:rPr lang="en-US" sz="900" dirty="0" smtClean="0">
                   <a:latin typeface="Lato Regular"/>
                   <a:cs typeface="Lato Regular"/>
                 </a:rPr>
-                <a:t>(</a:t>
+                <a:t>(University of </a:t>
               </a:r>
               <a:r>
                 <a:rPr lang="en-US" sz="900" dirty="0" err="1" smtClean="0">
                   <a:latin typeface="Lato Regular"/>
                   <a:cs typeface="Lato Regular"/>
                 </a:rPr>
-                <a:t>GeorgiaTech</a:t>
+                <a:t>Lübeck</a:t>
               </a:r>
               <a:r>
                 <a:rPr lang="en-US" sz="900" dirty="0" smtClean="0">
@@ -5458,78 +5203,8 @@
                   <a:latin typeface="Lato Regular"/>
                   <a:cs typeface="Lato Regular"/>
                 </a:rPr>
-                <a:t>Martin </a:t>
-              </a:r>
-              <a:r>
-                <a:rPr lang="en-US" sz="1000" b="1" dirty="0" err="1" smtClean="0">
-                  <a:latin typeface="Lato Regular"/>
-                  <a:cs typeface="Lato Regular"/>
-                </a:rPr>
-                <a:t>Leucker</a:t>
-              </a:r>
-              <a:r>
-                <a:rPr lang="en-US" sz="1000" b="1" dirty="0" smtClean="0">
-                  <a:latin typeface="Lato Regular"/>
-                  <a:cs typeface="Lato Regular"/>
-                </a:rPr>
-                <a:t> </a:t>
-              </a:r>
-              <a:r>
-                <a:rPr lang="en-US" sz="1000" b="1" dirty="0" smtClean="0">
-                  <a:latin typeface="Lato Regular"/>
-                  <a:cs typeface="Lato Regular"/>
-                </a:rPr>
-                <a:t> (co-Chair)</a:t>
-              </a:r>
-            </a:p>
-            <a:p>
-              <a:r>
-                <a:rPr lang="en-US" sz="900" dirty="0" smtClean="0">
-                  <a:latin typeface="Lato Regular"/>
-                  <a:cs typeface="Lato Regular"/>
-                </a:rPr>
-                <a:t>(University of </a:t>
-              </a:r>
-              <a:r>
-                <a:rPr lang="en-US" sz="900" dirty="0" err="1" smtClean="0">
-                  <a:latin typeface="Lato Regular"/>
-                  <a:cs typeface="Lato Regular"/>
-                </a:rPr>
-                <a:t>L</a:t>
-              </a:r>
-              <a:r>
-                <a:rPr lang="en-US" sz="900" dirty="0" err="1" smtClean="0">
-                  <a:latin typeface="Lato Regular"/>
-                  <a:cs typeface="Lato Regular"/>
-                </a:rPr>
-                <a:t>übeck</a:t>
-              </a:r>
-              <a:r>
-                <a:rPr lang="en-US" sz="900" dirty="0" smtClean="0">
-                  <a:latin typeface="Lato Regular"/>
-                  <a:cs typeface="Lato Regular"/>
-                </a:rPr>
-                <a:t>, USA)</a:t>
-              </a:r>
-            </a:p>
-            <a:p>
-              <a:endParaRPr lang="en-US" sz="700" dirty="0" smtClean="0">
-                <a:latin typeface="Lato Regular"/>
-                <a:cs typeface="Lato Regular"/>
-              </a:endParaRPr>
-            </a:p>
-            <a:p>
-              <a:r>
-                <a:rPr lang="en-US" sz="1000" b="1" dirty="0" smtClean="0">
-                  <a:latin typeface="Lato Regular"/>
-                  <a:cs typeface="Lato Regular"/>
-                </a:rPr>
                 <a:t>Philip T Moore</a:t>
               </a:r>
-              <a:endParaRPr lang="en-US" sz="1000" b="1" dirty="0" smtClean="0">
-                <a:latin typeface="Lato Regular"/>
-                <a:cs typeface="Lato Regular"/>
-              </a:endParaRPr>
             </a:p>
             <a:p>
               <a:r>
